--- a/topic2_Linear regression/1_LR introduction.pptx
+++ b/topic2_Linear regression/1_LR introduction.pptx
@@ -125,6 +125,11 @@
       </a:defRPr>
     </a:lvl9pPr>
   </p:defaultTextStyle>
+  <p:extLst>
+    <p:ext uri="{EFAFB233-063F-42B5-8137-9DF3F51BA10A}">
+      <p15:sldGuideLst xmlns:p15="http://schemas.microsoft.com/office/powerpoint/2012/main"/>
+    </p:ext>
+  </p:extLst>
 </p:presentation>
 </file>
 
@@ -238,7 +243,7 @@
           <a:p>
             <a:fld id="{8C22B9BF-45E1-F44D-809F-F09574C058BB}" type="datetimeFigureOut">
               <a:rPr lang="en-US" smtClean="0"/>
-              <a:t>1/30/23</a:t>
+              <a:t>8/29/2023</a:t>
             </a:fld>
             <a:endParaRPr lang="en-US"/>
           </a:p>
@@ -736,7 +741,7 @@
           <a:p>
             <a:fld id="{6D0EFE92-3EC4-6F43-877C-8648D0872782}" type="datetimeFigureOut">
               <a:rPr lang="en-US" smtClean="0"/>
-              <a:t>1/30/23</a:t>
+              <a:t>8/29/2023</a:t>
             </a:fld>
             <a:endParaRPr lang="en-US"/>
           </a:p>
@@ -934,7 +939,7 @@
           <a:p>
             <a:fld id="{6D0EFE92-3EC4-6F43-877C-8648D0872782}" type="datetimeFigureOut">
               <a:rPr lang="en-US" smtClean="0"/>
-              <a:t>1/30/23</a:t>
+              <a:t>8/29/2023</a:t>
             </a:fld>
             <a:endParaRPr lang="en-US"/>
           </a:p>
@@ -1142,7 +1147,7 @@
           <a:p>
             <a:fld id="{6D0EFE92-3EC4-6F43-877C-8648D0872782}" type="datetimeFigureOut">
               <a:rPr lang="en-US" smtClean="0"/>
-              <a:t>1/30/23</a:t>
+              <a:t>8/29/2023</a:t>
             </a:fld>
             <a:endParaRPr lang="en-US"/>
           </a:p>
@@ -1340,7 +1345,7 @@
           <a:p>
             <a:fld id="{6D0EFE92-3EC4-6F43-877C-8648D0872782}" type="datetimeFigureOut">
               <a:rPr lang="en-US" smtClean="0"/>
-              <a:t>1/30/23</a:t>
+              <a:t>8/29/2023</a:t>
             </a:fld>
             <a:endParaRPr lang="en-US"/>
           </a:p>
@@ -1615,7 +1620,7 @@
           <a:p>
             <a:fld id="{6D0EFE92-3EC4-6F43-877C-8648D0872782}" type="datetimeFigureOut">
               <a:rPr lang="en-US" smtClean="0"/>
-              <a:t>1/30/23</a:t>
+              <a:t>8/29/2023</a:t>
             </a:fld>
             <a:endParaRPr lang="en-US"/>
           </a:p>
@@ -1880,7 +1885,7 @@
           <a:p>
             <a:fld id="{6D0EFE92-3EC4-6F43-877C-8648D0872782}" type="datetimeFigureOut">
               <a:rPr lang="en-US" smtClean="0"/>
-              <a:t>1/30/23</a:t>
+              <a:t>8/29/2023</a:t>
             </a:fld>
             <a:endParaRPr lang="en-US"/>
           </a:p>
@@ -2292,7 +2297,7 @@
           <a:p>
             <a:fld id="{6D0EFE92-3EC4-6F43-877C-8648D0872782}" type="datetimeFigureOut">
               <a:rPr lang="en-US" smtClean="0"/>
-              <a:t>1/30/23</a:t>
+              <a:t>8/29/2023</a:t>
             </a:fld>
             <a:endParaRPr lang="en-US"/>
           </a:p>
@@ -2433,7 +2438,7 @@
           <a:p>
             <a:fld id="{6D0EFE92-3EC4-6F43-877C-8648D0872782}" type="datetimeFigureOut">
               <a:rPr lang="en-US" smtClean="0"/>
-              <a:t>1/30/23</a:t>
+              <a:t>8/29/2023</a:t>
             </a:fld>
             <a:endParaRPr lang="en-US"/>
           </a:p>
@@ -2546,7 +2551,7 @@
           <a:p>
             <a:fld id="{6D0EFE92-3EC4-6F43-877C-8648D0872782}" type="datetimeFigureOut">
               <a:rPr lang="en-US" smtClean="0"/>
-              <a:t>1/30/23</a:t>
+              <a:t>8/29/2023</a:t>
             </a:fld>
             <a:endParaRPr lang="en-US"/>
           </a:p>
@@ -2857,7 +2862,7 @@
           <a:p>
             <a:fld id="{6D0EFE92-3EC4-6F43-877C-8648D0872782}" type="datetimeFigureOut">
               <a:rPr lang="en-US" smtClean="0"/>
-              <a:t>1/30/23</a:t>
+              <a:t>8/29/2023</a:t>
             </a:fld>
             <a:endParaRPr lang="en-US"/>
           </a:p>
@@ -3145,7 +3150,7 @@
           <a:p>
             <a:fld id="{6D0EFE92-3EC4-6F43-877C-8648D0872782}" type="datetimeFigureOut">
               <a:rPr lang="en-US" smtClean="0"/>
-              <a:t>1/30/23</a:t>
+              <a:t>8/29/2023</a:t>
             </a:fld>
             <a:endParaRPr lang="en-US"/>
           </a:p>
@@ -3386,7 +3391,7 @@
           <a:p>
             <a:fld id="{6D0EFE92-3EC4-6F43-877C-8648D0872782}" type="datetimeFigureOut">
               <a:rPr lang="en-US" smtClean="0"/>
-              <a:t>1/30/23</a:t>
+              <a:t>8/29/2023</a:t>
             </a:fld>
             <a:endParaRPr lang="en-US"/>
           </a:p>

--- a/topic2_Linear regression/1_LR introduction.pptx
+++ b/topic2_Linear regression/1_LR introduction.pptx
@@ -511,6 +511,93 @@
 </file>
 
 <file path=ppt/notesSlides/notesSlide1.xml><?xml version="1.0" encoding="utf-8"?>
+<p:notes xmlns:a="http://schemas.openxmlformats.org/drawingml/2006/main" xmlns:r="http://schemas.openxmlformats.org/officeDocument/2006/relationships" xmlns:p="http://schemas.openxmlformats.org/presentationml/2006/main">
+  <p:cSld>
+    <p:spTree>
+      <p:nvGrpSpPr>
+        <p:cNvPr id="1" name=""/>
+        <p:cNvGrpSpPr/>
+        <p:nvPr/>
+      </p:nvGrpSpPr>
+      <p:grpSpPr>
+        <a:xfrm>
+          <a:off x="0" y="0"/>
+          <a:ext cx="0" cy="0"/>
+          <a:chOff x="0" y="0"/>
+          <a:chExt cx="0" cy="0"/>
+        </a:xfrm>
+      </p:grpSpPr>
+      <p:sp>
+        <p:nvSpPr>
+          <p:cNvPr id="2" name="Slide Image Placeholder 1"/>
+          <p:cNvSpPr>
+            <a:spLocks noGrp="1" noRot="1" noChangeAspect="1"/>
+          </p:cNvSpPr>
+          <p:nvPr>
+            <p:ph type="sldImg"/>
+          </p:nvPr>
+        </p:nvSpPr>
+        <p:spPr/>
+      </p:sp>
+      <p:sp>
+        <p:nvSpPr>
+          <p:cNvPr id="3" name="Notes Placeholder 2"/>
+          <p:cNvSpPr>
+            <a:spLocks noGrp="1"/>
+          </p:cNvSpPr>
+          <p:nvPr>
+            <p:ph type="body" idx="1"/>
+          </p:nvPr>
+        </p:nvSpPr>
+        <p:spPr/>
+        <p:txBody>
+          <a:bodyPr/>
+          <a:lstStyle/>
+          <a:p>
+            <a:r>
+              <a:rPr lang="en-US" dirty="0"/>
+              <a:t>Multiple linear regression</a:t>
+            </a:r>
+          </a:p>
+        </p:txBody>
+      </p:sp>
+      <p:sp>
+        <p:nvSpPr>
+          <p:cNvPr id="4" name="Slide Number Placeholder 3"/>
+          <p:cNvSpPr>
+            <a:spLocks noGrp="1"/>
+          </p:cNvSpPr>
+          <p:nvPr>
+            <p:ph type="sldNum" sz="quarter" idx="5"/>
+          </p:nvPr>
+        </p:nvSpPr>
+        <p:spPr/>
+        <p:txBody>
+          <a:bodyPr/>
+          <a:lstStyle/>
+          <a:p>
+            <a:fld id="{AD3EAC5A-1DAF-4146-A530-17256931B537}" type="slidenum">
+              <a:rPr lang="en-US" smtClean="0"/>
+              <a:t>5</a:t>
+            </a:fld>
+            <a:endParaRPr lang="en-US"/>
+          </a:p>
+        </p:txBody>
+      </p:sp>
+    </p:spTree>
+    <p:extLst>
+      <p:ext uri="{BB962C8B-B14F-4D97-AF65-F5344CB8AC3E}">
+        <p14:creationId xmlns:p14="http://schemas.microsoft.com/office/powerpoint/2010/main" val="3311570436"/>
+      </p:ext>
+    </p:extLst>
+  </p:cSld>
+  <p:clrMapOvr>
+    <a:masterClrMapping/>
+  </p:clrMapOvr>
+</p:notes>
+</file>
+
+<file path=ppt/notesSlides/notesSlide2.xml><?xml version="1.0" encoding="utf-8"?>
 <p:notes xmlns:a="http://schemas.openxmlformats.org/drawingml/2006/main" xmlns:r="http://schemas.openxmlformats.org/officeDocument/2006/relationships" xmlns:p="http://schemas.openxmlformats.org/presentationml/2006/main">
   <p:cSld>
     <p:spTree>
